--- a/supports/P7_presentation_final_v3.pptx
+++ b/supports/P7_presentation_final_v3.pptx
@@ -244,7 +244,7 @@
           <a:p>
             <a:fld id="{081908C2-F1FA-4AA1-810C-31F86594FA86}" type="datetimeFigureOut">
               <a:rPr lang="en-US" smtClean="0"/>
-              <a:t>2/23/2022</a:t>
+              <a:t>2/24/2022</a:t>
             </a:fld>
             <a:endParaRPr lang="en-US"/>
           </a:p>
@@ -409,7 +409,7 @@
           <a:p>
             <a:fld id="{56E8D31E-EEDD-42CA-A79A-B9539977145E}" type="datetimeFigureOut">
               <a:rPr lang="en-US" smtClean="0"/>
-              <a:t>2/23/2022</a:t>
+              <a:t>2/24/2022</a:t>
             </a:fld>
             <a:endParaRPr lang="en-US"/>
           </a:p>
@@ -6847,7 +6847,7 @@
           <a:p>
             <a:fld id="{E1DCD729-31D5-4480-98D7-69012EF3B7DD}" type="datetimeFigureOut">
               <a:rPr lang="en-US" smtClean="0"/>
-              <a:t>2/23/2022</a:t>
+              <a:t>2/24/2022</a:t>
             </a:fld>
             <a:endParaRPr lang="en-US"/>
           </a:p>
@@ -7045,7 +7045,7 @@
           <a:p>
             <a:fld id="{E1DCD729-31D5-4480-98D7-69012EF3B7DD}" type="datetimeFigureOut">
               <a:rPr lang="en-US" smtClean="0"/>
-              <a:t>2/23/2022</a:t>
+              <a:t>2/24/2022</a:t>
             </a:fld>
             <a:endParaRPr lang="en-US"/>
           </a:p>
@@ -7253,7 +7253,7 @@
           <a:p>
             <a:fld id="{E1DCD729-31D5-4480-98D7-69012EF3B7DD}" type="datetimeFigureOut">
               <a:rPr lang="en-US" smtClean="0"/>
-              <a:t>2/23/2022</a:t>
+              <a:t>2/24/2022</a:t>
             </a:fld>
             <a:endParaRPr lang="en-US"/>
           </a:p>
@@ -7451,7 +7451,7 @@
           <a:p>
             <a:fld id="{E1DCD729-31D5-4480-98D7-69012EF3B7DD}" type="datetimeFigureOut">
               <a:rPr lang="en-US" smtClean="0"/>
-              <a:t>2/23/2022</a:t>
+              <a:t>2/24/2022</a:t>
             </a:fld>
             <a:endParaRPr lang="en-US"/>
           </a:p>
@@ -7726,7 +7726,7 @@
           <a:p>
             <a:fld id="{E1DCD729-31D5-4480-98D7-69012EF3B7DD}" type="datetimeFigureOut">
               <a:rPr lang="en-US" smtClean="0"/>
-              <a:t>2/23/2022</a:t>
+              <a:t>2/24/2022</a:t>
             </a:fld>
             <a:endParaRPr lang="en-US"/>
           </a:p>
@@ -7991,7 +7991,7 @@
           <a:p>
             <a:fld id="{E1DCD729-31D5-4480-98D7-69012EF3B7DD}" type="datetimeFigureOut">
               <a:rPr lang="en-US" smtClean="0"/>
-              <a:t>2/23/2022</a:t>
+              <a:t>2/24/2022</a:t>
             </a:fld>
             <a:endParaRPr lang="en-US"/>
           </a:p>
@@ -8403,7 +8403,7 @@
           <a:p>
             <a:fld id="{E1DCD729-31D5-4480-98D7-69012EF3B7DD}" type="datetimeFigureOut">
               <a:rPr lang="en-US" smtClean="0"/>
-              <a:t>2/23/2022</a:t>
+              <a:t>2/24/2022</a:t>
             </a:fld>
             <a:endParaRPr lang="en-US"/>
           </a:p>
@@ -8544,7 +8544,7 @@
           <a:p>
             <a:fld id="{E1DCD729-31D5-4480-98D7-69012EF3B7DD}" type="datetimeFigureOut">
               <a:rPr lang="en-US" smtClean="0"/>
-              <a:t>2/23/2022</a:t>
+              <a:t>2/24/2022</a:t>
             </a:fld>
             <a:endParaRPr lang="en-US"/>
           </a:p>
@@ -8657,7 +8657,7 @@
           <a:p>
             <a:fld id="{E1DCD729-31D5-4480-98D7-69012EF3B7DD}" type="datetimeFigureOut">
               <a:rPr lang="en-US" smtClean="0"/>
-              <a:t>2/23/2022</a:t>
+              <a:t>2/24/2022</a:t>
             </a:fld>
             <a:endParaRPr lang="en-US"/>
           </a:p>
@@ -8968,7 +8968,7 @@
           <a:p>
             <a:fld id="{E1DCD729-31D5-4480-98D7-69012EF3B7DD}" type="datetimeFigureOut">
               <a:rPr lang="en-US" smtClean="0"/>
-              <a:t>2/23/2022</a:t>
+              <a:t>2/24/2022</a:t>
             </a:fld>
             <a:endParaRPr lang="en-US"/>
           </a:p>
@@ -9256,7 +9256,7 @@
           <a:p>
             <a:fld id="{E1DCD729-31D5-4480-98D7-69012EF3B7DD}" type="datetimeFigureOut">
               <a:rPr lang="en-US" smtClean="0"/>
-              <a:t>2/23/2022</a:t>
+              <a:t>2/24/2022</a:t>
             </a:fld>
             <a:endParaRPr lang="en-US"/>
           </a:p>
@@ -9506,7 +9506,7 @@
           <a:p>
             <a:fld id="{E1DCD729-31D5-4480-98D7-69012EF3B7DD}" type="datetimeFigureOut">
               <a:rPr lang="en-US" smtClean="0"/>
-              <a:t>2/23/2022</a:t>
+              <a:t>2/24/2022</a:t>
             </a:fld>
             <a:endParaRPr lang="en-US"/>
           </a:p>
@@ -17998,7 +17998,7 @@
                 </a:solidFill>
                 <a:latin typeface="Google Sans"/>
               </a:rPr>
-              <a:t>Durée</a:t>
+              <a:t>Duration</a:t>
             </a:r>
           </a:p>
         </p:txBody>
@@ -18854,6 +18854,46 @@
           <a:chExt cx="0" cy="0"/>
         </a:xfrm>
       </p:grpSpPr>
+      <p:pic>
+        <p:nvPicPr>
+          <p:cNvPr id="5" name="Image 4">
+            <a:extLst>
+              <a:ext uri="{FF2B5EF4-FFF2-40B4-BE49-F238E27FC236}">
+                <a16:creationId xmlns:a16="http://schemas.microsoft.com/office/drawing/2014/main" id="{32220844-B739-40EE-98ED-8B2668B04090}"/>
+              </a:ext>
+            </a:extLst>
+          </p:cNvPr>
+          <p:cNvPicPr>
+            <a:picLocks noChangeAspect="1"/>
+          </p:cNvPicPr>
+          <p:nvPr/>
+        </p:nvPicPr>
+        <p:blipFill>
+          <a:blip r:embed="rId3"/>
+          <a:stretch>
+            <a:fillRect/>
+          </a:stretch>
+        </p:blipFill>
+        <p:spPr>
+          <a:xfrm>
+            <a:off x="6817723" y="2393775"/>
+            <a:ext cx="4315627" cy="1542534"/>
+          </a:xfrm>
+          <a:prstGeom prst="rect">
+            <a:avLst/>
+          </a:prstGeom>
+          <a:ln>
+            <a:noFill/>
+          </a:ln>
+          <a:effectLst>
+            <a:outerShdw blurRad="292100" dist="139700" dir="2700000" algn="tl" rotWithShape="0">
+              <a:srgbClr val="333333">
+                <a:alpha val="65000"/>
+              </a:srgbClr>
+            </a:outerShdw>
+          </a:effectLst>
+        </p:spPr>
+      </p:pic>
       <p:sp>
         <p:nvSpPr>
           <p:cNvPr id="10" name="Titre 1">
@@ -18993,10 +19033,16 @@
           <p:cNvGraphicFramePr>
             <a:graphicFrameLocks noGrp="1"/>
           </p:cNvGraphicFramePr>
-          <p:nvPr/>
+          <p:nvPr>
+            <p:extLst>
+              <p:ext uri="{D42A27DB-BD31-4B8C-83A1-F6EECF244321}">
+                <p14:modId xmlns:p14="http://schemas.microsoft.com/office/powerpoint/2010/main" val="3471549329"/>
+              </p:ext>
+            </p:extLst>
+          </p:nvPr>
         </p:nvGraphicFramePr>
         <p:xfrm>
-          <a:off x="562524" y="1946374"/>
+          <a:off x="169254" y="2588415"/>
           <a:ext cx="2947544" cy="2854659"/>
         </p:xfrm>
         <a:graphic>
@@ -19620,7 +19666,7 @@
         </p:nvSpPr>
         <p:spPr>
           <a:xfrm>
-            <a:off x="1659944" y="4568230"/>
+            <a:off x="1266674" y="5060092"/>
             <a:ext cx="1209498" cy="307777"/>
           </a:xfrm>
           <a:prstGeom prst="rect">
@@ -19656,7 +19702,7 @@
         </p:nvSpPr>
         <p:spPr>
           <a:xfrm rot="16200000">
-            <a:off x="16124" y="2978064"/>
+            <a:off x="-257010" y="3518181"/>
             <a:ext cx="1092800" cy="307777"/>
           </a:xfrm>
           <a:prstGeom prst="rect">
@@ -19692,7 +19738,7 @@
         </p:nvSpPr>
         <p:spPr>
           <a:xfrm>
-            <a:off x="1141002" y="1547082"/>
+            <a:off x="747732" y="2189123"/>
             <a:ext cx="2247382" cy="369332"/>
           </a:xfrm>
           <a:prstGeom prst="rect">
@@ -19729,8 +19775,8 @@
         </p:nvSpPr>
         <p:spPr>
           <a:xfrm>
-            <a:off x="4558444" y="1558121"/>
-            <a:ext cx="4566166" cy="400110"/>
+            <a:off x="4004610" y="2369576"/>
+            <a:ext cx="1897159" cy="400110"/>
           </a:xfrm>
           <a:prstGeom prst="rect">
             <a:avLst/>
@@ -19766,7 +19812,7 @@
           <p:nvPr/>
         </p:nvPicPr>
         <p:blipFill>
-          <a:blip r:embed="rId3">
+          <a:blip r:embed="rId4">
             <a:duotone>
               <a:schemeClr val="accent6">
                 <a:shade val="45000"/>
@@ -19786,7 +19832,7 @@
         </p:blipFill>
         <p:spPr>
           <a:xfrm>
-            <a:off x="4091454" y="1549329"/>
+            <a:off x="3537620" y="2360784"/>
             <a:ext cx="457727" cy="427272"/>
           </a:xfrm>
           <a:prstGeom prst="rect">
@@ -19809,13 +19855,13 @@
           <p:nvPr>
             <p:extLst>
               <p:ext uri="{D42A27DB-BD31-4B8C-83A1-F6EECF244321}">
-                <p14:modId xmlns:p14="http://schemas.microsoft.com/office/powerpoint/2010/main" val="272366732"/>
+                <p14:modId xmlns:p14="http://schemas.microsoft.com/office/powerpoint/2010/main" val="3608920683"/>
               </p:ext>
             </p:extLst>
           </p:nvPr>
         </p:nvGraphicFramePr>
         <p:xfrm>
-          <a:off x="4721432" y="2033205"/>
+          <a:off x="4167598" y="2844660"/>
           <a:ext cx="1945576" cy="1519803"/>
         </p:xfrm>
         <a:graphic>
@@ -20125,7 +20171,7 @@
                             <a:schemeClr val="tx1"/>
                           </a:solidFill>
                         </a:rPr>
-                        <a:t>0</a:t>
+                        <a:t>-1</a:t>
                       </a:r>
                       <a:endParaRPr lang="fr-FR" sz="1200" kern="1200" dirty="0">
                         <a:solidFill>
@@ -20203,7 +20249,7 @@
                             <a:schemeClr val="tx1"/>
                           </a:solidFill>
                         </a:rPr>
-                        <a:t>-100</a:t>
+                        <a:t>-10</a:t>
                       </a:r>
                       <a:endParaRPr lang="fr-FR" sz="1200" kern="1200" dirty="0">
                         <a:solidFill>
@@ -20227,35 +20273,6 @@
           </a:graphicData>
         </a:graphic>
       </p:graphicFrame>
-      <p:pic>
-        <p:nvPicPr>
-          <p:cNvPr id="6" name="Image 5">
-            <a:extLst>
-              <a:ext uri="{FF2B5EF4-FFF2-40B4-BE49-F238E27FC236}">
-                <a16:creationId xmlns:a16="http://schemas.microsoft.com/office/drawing/2014/main" id="{B95DBC4A-F683-47A9-A1F5-0CD83B3EE19A}"/>
-              </a:ext>
-            </a:extLst>
-          </p:cNvPr>
-          <p:cNvPicPr>
-            <a:picLocks noChangeAspect="1"/>
-          </p:cNvPicPr>
-          <p:nvPr/>
-        </p:nvPicPr>
-        <p:blipFill rotWithShape="1">
-          <a:blip r:embed="rId4"/>
-          <a:srcRect t="22123"/>
-          <a:stretch/>
-        </p:blipFill>
-        <p:spPr>
-          <a:xfrm>
-            <a:off x="4742871" y="3835292"/>
-            <a:ext cx="6126024" cy="2081430"/>
-          </a:xfrm>
-          <a:prstGeom prst="rect">
-            <a:avLst/>
-          </a:prstGeom>
-        </p:spPr>
-      </p:pic>
       <p:sp>
         <p:nvSpPr>
           <p:cNvPr id="29" name="ZoneTexte 28">
@@ -20270,8 +20287,8 @@
         </p:nvSpPr>
         <p:spPr>
           <a:xfrm>
-            <a:off x="7267903" y="1543515"/>
-            <a:ext cx="4924097" cy="1323439"/>
+            <a:off x="0" y="1298230"/>
+            <a:ext cx="9310977" cy="707886"/>
           </a:xfrm>
           <a:prstGeom prst="rect">
             <a:avLst/>
@@ -20986,6 +21003,169 @@
           </a:p>
         </p:txBody>
       </p:sp>
+      <p:sp>
+        <p:nvSpPr>
+          <p:cNvPr id="23" name="Rectangle 22">
+            <a:extLst>
+              <a:ext uri="{FF2B5EF4-FFF2-40B4-BE49-F238E27FC236}">
+                <a16:creationId xmlns:a16="http://schemas.microsoft.com/office/drawing/2014/main" id="{63625019-C5F8-445A-A452-B2C4DAFDBA45}"/>
+              </a:ext>
+            </a:extLst>
+          </p:cNvPr>
+          <p:cNvSpPr/>
+          <p:nvPr/>
+        </p:nvSpPr>
+        <p:spPr>
+          <a:xfrm>
+            <a:off x="6437587" y="5648613"/>
+            <a:ext cx="5754413" cy="457727"/>
+          </a:xfrm>
+          <a:prstGeom prst="rect">
+            <a:avLst/>
+          </a:prstGeom>
+          <a:solidFill>
+            <a:srgbClr val="5B9BD5"/>
+          </a:solidFill>
+          <a:ln>
+            <a:solidFill>
+              <a:srgbClr val="5B9BD5"/>
+            </a:solidFill>
+          </a:ln>
+        </p:spPr>
+        <p:style>
+          <a:lnRef idx="2">
+            <a:schemeClr val="accent1">
+              <a:shade val="50000"/>
+            </a:schemeClr>
+          </a:lnRef>
+          <a:fillRef idx="1">
+            <a:schemeClr val="accent1"/>
+          </a:fillRef>
+          <a:effectRef idx="0">
+            <a:schemeClr val="accent1"/>
+          </a:effectRef>
+          <a:fontRef idx="minor">
+            <a:schemeClr val="lt1"/>
+          </a:fontRef>
+        </p:style>
+        <p:txBody>
+          <a:bodyPr rtlCol="0" anchor="ctr"/>
+          <a:lstStyle/>
+          <a:p>
+            <a:pPr algn="ctr"/>
+            <a:endParaRPr lang="en-US" dirty="0">
+              <a:ln>
+                <a:solidFill>
+                  <a:srgbClr val="70AD47"/>
+                </a:solidFill>
+              </a:ln>
+              <a:solidFill>
+                <a:srgbClr val="70AD47"/>
+              </a:solidFill>
+            </a:endParaRPr>
+          </a:p>
+        </p:txBody>
+      </p:sp>
+      <p:sp>
+        <p:nvSpPr>
+          <p:cNvPr id="24" name="ZoneTexte 23">
+            <a:extLst>
+              <a:ext uri="{FF2B5EF4-FFF2-40B4-BE49-F238E27FC236}">
+                <a16:creationId xmlns:a16="http://schemas.microsoft.com/office/drawing/2014/main" id="{F82CF117-F691-4C35-A5A1-A0F1A31CFE49}"/>
+              </a:ext>
+            </a:extLst>
+          </p:cNvPr>
+          <p:cNvSpPr txBox="1"/>
+          <p:nvPr/>
+        </p:nvSpPr>
+        <p:spPr>
+          <a:xfrm>
+            <a:off x="6455603" y="5692810"/>
+            <a:ext cx="5754412" cy="369332"/>
+          </a:xfrm>
+          <a:prstGeom prst="rect">
+            <a:avLst/>
+          </a:prstGeom>
+          <a:noFill/>
+        </p:spPr>
+        <p:txBody>
+          <a:bodyPr wrap="square">
+            <a:spAutoFit/>
+          </a:bodyPr>
+          <a:lstStyle/>
+          <a:p>
+            <a:r>
+              <a:rPr lang="fr-FR" dirty="0">
+                <a:ln>
+                  <a:solidFill>
+                    <a:schemeClr val="bg1"/>
+                  </a:solidFill>
+                </a:ln>
+                <a:solidFill>
+                  <a:schemeClr val="bg1"/>
+                </a:solidFill>
+                <a:latin typeface="docs-Roboto"/>
+              </a:rPr>
+              <a:t>La fonction coût sera utilisé au moment de calculer le seuil</a:t>
+            </a:r>
+            <a:endParaRPr lang="fr-FR" sz="1100" b="1" i="1" dirty="0">
+              <a:ln>
+                <a:solidFill>
+                  <a:schemeClr val="bg1">
+                    <a:lumMod val="85000"/>
+                  </a:schemeClr>
+                </a:solidFill>
+              </a:ln>
+              <a:solidFill>
+                <a:schemeClr val="bg1">
+                  <a:lumMod val="85000"/>
+                </a:schemeClr>
+              </a:solidFill>
+              <a:latin typeface="Google Sans"/>
+            </a:endParaRPr>
+          </a:p>
+        </p:txBody>
+      </p:sp>
+      <p:pic>
+        <p:nvPicPr>
+          <p:cNvPr id="3" name="Image 2">
+            <a:extLst>
+              <a:ext uri="{FF2B5EF4-FFF2-40B4-BE49-F238E27FC236}">
+                <a16:creationId xmlns:a16="http://schemas.microsoft.com/office/drawing/2014/main" id="{4D96493F-28D4-474C-85E4-848C875FD150}"/>
+              </a:ext>
+            </a:extLst>
+          </p:cNvPr>
+          <p:cNvPicPr>
+            <a:picLocks noChangeAspect="1"/>
+          </p:cNvPicPr>
+          <p:nvPr/>
+        </p:nvPicPr>
+        <p:blipFill>
+          <a:blip r:embed="rId6"/>
+          <a:stretch>
+            <a:fillRect/>
+          </a:stretch>
+        </p:blipFill>
+        <p:spPr>
+          <a:xfrm>
+            <a:off x="6817723" y="4129949"/>
+            <a:ext cx="3457575" cy="1266825"/>
+          </a:xfrm>
+          <a:prstGeom prst="rect">
+            <a:avLst/>
+          </a:prstGeom>
+          <a:ln>
+            <a:noFill/>
+          </a:ln>
+          <a:effectLst>
+            <a:outerShdw blurRad="292100" dist="139700" dir="2700000" algn="tl" rotWithShape="0">
+              <a:srgbClr val="333333">
+                <a:alpha val="65000"/>
+              </a:srgbClr>
+            </a:outerShdw>
+          </a:effectLst>
+        </p:spPr>
+      </p:pic>
     </p:spTree>
     <p:extLst>
       <p:ext uri="{BB962C8B-B14F-4D97-AF65-F5344CB8AC3E}">
@@ -21016,6 +21196,36 @@
           <a:chExt cx="0" cy="0"/>
         </a:xfrm>
       </p:grpSpPr>
+      <p:pic>
+        <p:nvPicPr>
+          <p:cNvPr id="5" name="Image 4">
+            <a:extLst>
+              <a:ext uri="{FF2B5EF4-FFF2-40B4-BE49-F238E27FC236}">
+                <a16:creationId xmlns:a16="http://schemas.microsoft.com/office/drawing/2014/main" id="{DB70ACF5-E1C0-48A4-8CAE-35E1C8FA18A1}"/>
+              </a:ext>
+            </a:extLst>
+          </p:cNvPr>
+          <p:cNvPicPr>
+            <a:picLocks noChangeAspect="1"/>
+          </p:cNvPicPr>
+          <p:nvPr/>
+        </p:nvPicPr>
+        <p:blipFill>
+          <a:blip r:embed="rId3"/>
+          <a:stretch>
+            <a:fillRect/>
+          </a:stretch>
+        </p:blipFill>
+        <p:spPr>
+          <a:xfrm>
+            <a:off x="561266" y="1586300"/>
+            <a:ext cx="10962290" cy="3505920"/>
+          </a:xfrm>
+          <a:prstGeom prst="rect">
+            <a:avLst/>
+          </a:prstGeom>
+        </p:spPr>
+      </p:pic>
       <p:grpSp>
         <p:nvGrpSpPr>
           <p:cNvPr id="4" name="Groupe 3">
@@ -21289,7 +21499,7 @@
             <p:nvPr/>
           </p:nvPicPr>
           <p:blipFill>
-            <a:blip r:embed="rId3">
+            <a:blip r:embed="rId4">
               <a:biLevel thresh="75000"/>
               <a:extLst>
                 <a:ext uri="{28A0092B-C50C-407E-A947-70E740481C1C}">
@@ -21647,36 +21857,6 @@
           </a:p>
         </p:txBody>
       </p:sp>
-      <p:pic>
-        <p:nvPicPr>
-          <p:cNvPr id="3" name="Image 2">
-            <a:extLst>
-              <a:ext uri="{FF2B5EF4-FFF2-40B4-BE49-F238E27FC236}">
-                <a16:creationId xmlns:a16="http://schemas.microsoft.com/office/drawing/2014/main" id="{79739BF7-7977-424F-8820-735DB336A5AF}"/>
-              </a:ext>
-            </a:extLst>
-          </p:cNvPr>
-          <p:cNvPicPr>
-            <a:picLocks noChangeAspect="1"/>
-          </p:cNvPicPr>
-          <p:nvPr/>
-        </p:nvPicPr>
-        <p:blipFill>
-          <a:blip r:embed="rId4"/>
-          <a:stretch>
-            <a:fillRect/>
-          </a:stretch>
-        </p:blipFill>
-        <p:spPr>
-          <a:xfrm>
-            <a:off x="927279" y="1774943"/>
-            <a:ext cx="10337442" cy="3408904"/>
-          </a:xfrm>
-          <a:prstGeom prst="rect">
-            <a:avLst/>
-          </a:prstGeom>
-        </p:spPr>
-      </p:pic>
       <p:sp>
         <p:nvSpPr>
           <p:cNvPr id="20" name="Rectangle 19">
@@ -21691,8 +21871,8 @@
         </p:nvSpPr>
         <p:spPr>
           <a:xfrm>
-            <a:off x="7244545" y="1911198"/>
-            <a:ext cx="1485900" cy="3163078"/>
+            <a:off x="7283958" y="1799190"/>
+            <a:ext cx="1485900" cy="3219232"/>
           </a:xfrm>
           <a:prstGeom prst="rect">
             <a:avLst/>
@@ -23047,46 +23227,6 @@
           <a:chExt cx="0" cy="0"/>
         </a:xfrm>
       </p:grpSpPr>
-      <p:pic>
-        <p:nvPicPr>
-          <p:cNvPr id="5" name="Image 4">
-            <a:extLst>
-              <a:ext uri="{FF2B5EF4-FFF2-40B4-BE49-F238E27FC236}">
-                <a16:creationId xmlns:a16="http://schemas.microsoft.com/office/drawing/2014/main" id="{0CD2650B-4C21-44B9-9687-60E576E81783}"/>
-              </a:ext>
-            </a:extLst>
-          </p:cNvPr>
-          <p:cNvPicPr>
-            <a:picLocks noChangeAspect="1"/>
-          </p:cNvPicPr>
-          <p:nvPr/>
-        </p:nvPicPr>
-        <p:blipFill>
-          <a:blip r:embed="rId3"/>
-          <a:stretch>
-            <a:fillRect/>
-          </a:stretch>
-        </p:blipFill>
-        <p:spPr>
-          <a:xfrm>
-            <a:off x="3661489" y="1841074"/>
-            <a:ext cx="6800850" cy="4038600"/>
-          </a:xfrm>
-          <a:prstGeom prst="rect">
-            <a:avLst/>
-          </a:prstGeom>
-          <a:ln>
-            <a:noFill/>
-          </a:ln>
-          <a:effectLst>
-            <a:outerShdw blurRad="292100" dist="139700" dir="2700000" algn="tl" rotWithShape="0">
-              <a:srgbClr val="333333">
-                <a:alpha val="65000"/>
-              </a:srgbClr>
-            </a:outerShdw>
-          </a:effectLst>
-        </p:spPr>
-      </p:pic>
       <p:grpSp>
         <p:nvGrpSpPr>
           <p:cNvPr id="4" name="Groupe 3">
@@ -23360,7 +23500,7 @@
             <p:nvPr/>
           </p:nvPicPr>
           <p:blipFill>
-            <a:blip r:embed="rId4">
+            <a:blip r:embed="rId3">
               <a:biLevel thresh="75000"/>
               <a:extLst>
                 <a:ext uri="{28A0092B-C50C-407E-A947-70E740481C1C}">
@@ -23855,15 +23995,15 @@
           <p:nvPr/>
         </p:nvPicPr>
         <p:blipFill>
-          <a:blip r:embed="rId5"/>
+          <a:blip r:embed="rId4"/>
           <a:stretch>
             <a:fillRect/>
           </a:stretch>
         </p:blipFill>
         <p:spPr>
           <a:xfrm>
-            <a:off x="377906" y="1887807"/>
-            <a:ext cx="2613522" cy="1811352"/>
+            <a:off x="377905" y="1887806"/>
+            <a:ext cx="2790963" cy="1934331"/>
           </a:xfrm>
           <a:prstGeom prst="rect">
             <a:avLst/>
@@ -23924,6 +24064,46 @@
           </a:p>
         </p:txBody>
       </p:sp>
+      <p:pic>
+        <p:nvPicPr>
+          <p:cNvPr id="3" name="Image 2">
+            <a:extLst>
+              <a:ext uri="{FF2B5EF4-FFF2-40B4-BE49-F238E27FC236}">
+                <a16:creationId xmlns:a16="http://schemas.microsoft.com/office/drawing/2014/main" id="{FAB4589D-12D3-4C75-B604-18261769D994}"/>
+              </a:ext>
+            </a:extLst>
+          </p:cNvPr>
+          <p:cNvPicPr>
+            <a:picLocks noChangeAspect="1"/>
+          </p:cNvPicPr>
+          <p:nvPr/>
+        </p:nvPicPr>
+        <p:blipFill>
+          <a:blip r:embed="rId5"/>
+          <a:stretch>
+            <a:fillRect/>
+          </a:stretch>
+        </p:blipFill>
+        <p:spPr>
+          <a:xfrm>
+            <a:off x="3760076" y="1781714"/>
+            <a:ext cx="6619218" cy="3949281"/>
+          </a:xfrm>
+          <a:prstGeom prst="rect">
+            <a:avLst/>
+          </a:prstGeom>
+          <a:ln>
+            <a:noFill/>
+          </a:ln>
+          <a:effectLst>
+            <a:outerShdw blurRad="292100" dist="139700" dir="2700000" algn="tl" rotWithShape="0">
+              <a:srgbClr val="333333">
+                <a:alpha val="65000"/>
+              </a:srgbClr>
+            </a:outerShdw>
+          </a:effectLst>
+        </p:spPr>
+      </p:pic>
     </p:spTree>
     <p:extLst>
       <p:ext uri="{BB962C8B-B14F-4D97-AF65-F5344CB8AC3E}">
@@ -24644,10 +24824,10 @@
       </p:grpSpPr>
       <p:pic>
         <p:nvPicPr>
-          <p:cNvPr id="6" name="Image 5">
+          <p:cNvPr id="4" name="Image 3">
             <a:extLst>
               <a:ext uri="{FF2B5EF4-FFF2-40B4-BE49-F238E27FC236}">
-                <a16:creationId xmlns:a16="http://schemas.microsoft.com/office/drawing/2014/main" id="{C1999834-D0C9-49F3-BA30-9E6D2FB37D8B}"/>
+                <a16:creationId xmlns:a16="http://schemas.microsoft.com/office/drawing/2014/main" id="{2DD8208F-2FAF-4916-A05D-C3FADFA2E697}"/>
               </a:ext>
             </a:extLst>
           </p:cNvPr>
@@ -24658,6 +24838,36 @@
         </p:nvPicPr>
         <p:blipFill>
           <a:blip r:embed="rId3"/>
+          <a:stretch>
+            <a:fillRect/>
+          </a:stretch>
+        </p:blipFill>
+        <p:spPr>
+          <a:xfrm>
+            <a:off x="8740282" y="222275"/>
+            <a:ext cx="2599120" cy="2131279"/>
+          </a:xfrm>
+          <a:prstGeom prst="rect">
+            <a:avLst/>
+          </a:prstGeom>
+        </p:spPr>
+      </p:pic>
+      <p:pic>
+        <p:nvPicPr>
+          <p:cNvPr id="6" name="Image 5">
+            <a:extLst>
+              <a:ext uri="{FF2B5EF4-FFF2-40B4-BE49-F238E27FC236}">
+                <a16:creationId xmlns:a16="http://schemas.microsoft.com/office/drawing/2014/main" id="{C1999834-D0C9-49F3-BA30-9E6D2FB37D8B}"/>
+              </a:ext>
+            </a:extLst>
+          </p:cNvPr>
+          <p:cNvPicPr>
+            <a:picLocks noChangeAspect="1"/>
+          </p:cNvPicPr>
+          <p:nvPr/>
+        </p:nvPicPr>
+        <p:blipFill>
+          <a:blip r:embed="rId4"/>
           <a:stretch>
             <a:fillRect/>
           </a:stretch>
@@ -24687,7 +24897,7 @@
           <p:nvPr/>
         </p:nvPicPr>
         <p:blipFill>
-          <a:blip r:embed="rId4"/>
+          <a:blip r:embed="rId5"/>
           <a:stretch>
             <a:fillRect/>
           </a:stretch>
@@ -25206,7 +25416,7 @@
         </p:nvSpPr>
         <p:spPr>
           <a:xfrm>
-            <a:off x="4475125" y="4213664"/>
+            <a:off x="4658005" y="4213664"/>
             <a:ext cx="530915" cy="369332"/>
           </a:xfrm>
           <a:prstGeom prst="rect">
@@ -25307,7 +25517,7 @@
           <p:nvPr/>
         </p:nvPicPr>
         <p:blipFill>
-          <a:blip r:embed="rId5"/>
+          <a:blip r:embed="rId6"/>
           <a:stretch>
             <a:fillRect/>
           </a:stretch>
@@ -25316,36 +25526,6 @@
           <a:xfrm>
             <a:off x="8099344" y="2912437"/>
             <a:ext cx="3714750" cy="2600325"/>
-          </a:xfrm>
-          <a:prstGeom prst="rect">
-            <a:avLst/>
-          </a:prstGeom>
-        </p:spPr>
-      </p:pic>
-      <p:pic>
-        <p:nvPicPr>
-          <p:cNvPr id="18" name="Image 17">
-            <a:extLst>
-              <a:ext uri="{FF2B5EF4-FFF2-40B4-BE49-F238E27FC236}">
-                <a16:creationId xmlns:a16="http://schemas.microsoft.com/office/drawing/2014/main" id="{CCB25B0E-2B94-4732-B227-8A85E951E3E8}"/>
-              </a:ext>
-            </a:extLst>
-          </p:cNvPr>
-          <p:cNvPicPr>
-            <a:picLocks noChangeAspect="1"/>
-          </p:cNvPicPr>
-          <p:nvPr/>
-        </p:nvPicPr>
-        <p:blipFill>
-          <a:blip r:embed="rId6"/>
-          <a:stretch>
-            <a:fillRect/>
-          </a:stretch>
-        </p:blipFill>
-        <p:spPr>
-          <a:xfrm>
-            <a:off x="8731625" y="222275"/>
-            <a:ext cx="2582002" cy="2131279"/>
           </a:xfrm>
           <a:prstGeom prst="rect">
             <a:avLst/>
@@ -26440,8 +26620,8 @@
         </p:nvSpPr>
         <p:spPr>
           <a:xfrm>
-            <a:off x="279917" y="432794"/>
-            <a:ext cx="8573627" cy="696438"/>
+            <a:off x="201090" y="431904"/>
+            <a:ext cx="5327842" cy="696438"/>
           </a:xfrm>
           <a:prstGeom prst="rect">
             <a:avLst/>
@@ -26483,7 +26663,7 @@
                 </a:solidFill>
                 <a:latin typeface="Google Sans"/>
               </a:rPr>
-              <a:t>Interprétation global</a:t>
+              <a:t>Interprétation globale</a:t>
             </a:r>
           </a:p>
         </p:txBody>
@@ -27504,7 +27684,7 @@
                 </a:solidFill>
                 <a:latin typeface="Google Sans"/>
               </a:rPr>
-              <a:t>Interprétation local</a:t>
+              <a:t>Interprétation locale</a:t>
             </a:r>
           </a:p>
         </p:txBody>
@@ -36227,7 +36407,7 @@
         <p:spPr>
           <a:xfrm>
             <a:off x="835632" y="1819928"/>
-            <a:ext cx="9486927" cy="2123658"/>
+            <a:ext cx="9486927" cy="2677656"/>
           </a:xfrm>
           <a:prstGeom prst="rect">
             <a:avLst/>
@@ -36248,7 +36428,7 @@
               <a:rPr lang="fr-FR" dirty="0">
                 <a:latin typeface="Google Sans"/>
               </a:rPr>
-              <a:t>Il faut faire une analyse exploratoire au début pour bien comprendre les données.</a:t>
+              <a:t>Faire une analyse exploratoire au début pour bien comprendre les données.</a:t>
             </a:r>
           </a:p>
           <a:p>
@@ -36266,10 +36446,16 @@
               <a:buChar char="§"/>
             </a:pPr>
             <a:r>
+              <a:rPr lang="fr-FR" dirty="0">
+                <a:latin typeface="Google Sans"/>
+              </a:rPr>
+              <a:t>Faire </a:t>
+            </a:r>
+            <a:r>
               <a:rPr lang="fr-FR" sz="1800" dirty="0">
                 <a:latin typeface="Google Sans"/>
               </a:rPr>
-              <a:t>Il est nécessaire de faire un réduction de données pour éviter le </a:t>
+              <a:t>un réduction de données pour éviter le </a:t>
             </a:r>
             <a:r>
               <a:rPr lang="fr-FR" sz="1800" i="1" dirty="0">
@@ -36459,6 +36645,29 @@
               </a:rPr>
               <a:t>, etc.</a:t>
             </a:r>
+          </a:p>
+          <a:p>
+            <a:pPr marL="285750" indent="-285750">
+              <a:buFont typeface="Wingdings" panose="05000000000000000000" pitchFamily="2" charset="2"/>
+              <a:buChar char="§"/>
+            </a:pPr>
+            <a:endParaRPr lang="fr-FR" dirty="0">
+              <a:latin typeface="Calibri" panose="020F0502020204030204" pitchFamily="34" charset="0"/>
+              <a:cs typeface="Arial" panose="020B0604020202020204" pitchFamily="34" charset="0"/>
+            </a:endParaRPr>
+          </a:p>
+          <a:p>
+            <a:pPr marL="285750" indent="-285750">
+              <a:buFont typeface="Wingdings" panose="05000000000000000000" pitchFamily="2" charset="2"/>
+              <a:buChar char="§"/>
+            </a:pPr>
+            <a:r>
+              <a:rPr lang="fr-FR" dirty="0">
+                <a:latin typeface="Calibri" panose="020F0502020204030204" pitchFamily="34" charset="0"/>
+                <a:cs typeface="Arial" panose="020B0604020202020204" pitchFamily="34" charset="0"/>
+              </a:rPr>
+              <a:t>Essayer plusieurs coefficients dans le custom score pour avoir un modèle plus ou moins strict</a:t>
+            </a:r>
             <a:endParaRPr lang="fr-FR" dirty="0">
               <a:latin typeface="docs-Roboto"/>
             </a:endParaRPr>
@@ -36479,7 +36688,7 @@
         </p:nvSpPr>
         <p:spPr>
           <a:xfrm>
-            <a:off x="942884" y="4443163"/>
+            <a:off x="942884" y="4735809"/>
             <a:ext cx="4039077" cy="400110"/>
           </a:xfrm>
           <a:prstGeom prst="rect">
@@ -36536,7 +36745,7 @@
         </p:blipFill>
         <p:spPr>
           <a:xfrm>
-            <a:off x="475895" y="4434371"/>
+            <a:off x="475895" y="4727017"/>
             <a:ext cx="457727" cy="427272"/>
           </a:xfrm>
           <a:prstGeom prst="rect">
@@ -36558,7 +36767,7 @@
         </p:nvSpPr>
         <p:spPr>
           <a:xfrm>
-            <a:off x="844895" y="4918247"/>
+            <a:off x="844895" y="5210893"/>
             <a:ext cx="9486927" cy="369332"/>
           </a:xfrm>
           <a:prstGeom prst="rect">
